--- a/Final_Exam/FinalProject_ConsumerSegmentation.pptx
+++ b/Final_Exam/FinalProject_ConsumerSegmentation.pptx
@@ -3191,7 +3191,7 @@
           </a:pPr>
           <a:r>
             <a:rPr lang="en-US" b="1" dirty="0"/>
-            <a:t>has a lot to do with the high purchase cost.</a:t>
+            <a:t>has a lot to do WELL with the high purchase cost.</a:t>
           </a:r>
           <a:endParaRPr lang="en-US" b="1" i="0" u="none" strike="noStrike" cap="all" baseline="0" noProof="0" dirty="0">
             <a:latin typeface="Century Gothic"/>
@@ -3211,7 +3211,7 @@
       </dgm:t>
     </dgm:pt>
     <dgm:pt modelId="{EF563044-533C-4356-B080-46436638D3F5}" type="sibTrans" cxnId="{4855A607-5CF8-4DD4-B8E5-DEC4E05215C2}">
-      <dgm:prSet phldrT="01"/>
+      <dgm:prSet phldrT="01" phldr="0"/>
       <dgm:spPr/>
       <dgm:t>
         <a:bodyPr/>
@@ -3253,7 +3253,7 @@
       </dgm:t>
     </dgm:pt>
     <dgm:pt modelId="{49DD0DF1-AA05-46A3-A47B-831205A9CD80}" type="sibTrans" cxnId="{FB12B210-485C-457D-8EE0-DB34093F932A}">
-      <dgm:prSet phldrT="02"/>
+      <dgm:prSet phldrT="02" phldr="0"/>
       <dgm:spPr/>
       <dgm:t>
         <a:bodyPr/>
@@ -3295,7 +3295,7 @@
       </dgm:t>
     </dgm:pt>
     <dgm:pt modelId="{56ABF848-893E-4E43-B8FD-22671DFB800A}" type="sibTrans" cxnId="{6A3E9302-54C6-4CAC-AC6B-610868028CE3}">
-      <dgm:prSet phldrT="03"/>
+      <dgm:prSet phldrT="03" phldr="0"/>
       <dgm:spPr/>
       <dgm:t>
         <a:bodyPr/>
@@ -3337,7 +3337,7 @@
       </dgm:t>
     </dgm:pt>
     <dgm:pt modelId="{54E670D9-D3FC-4780-9002-FF091BB45A43}" type="sibTrans" cxnId="{4E3FCC89-A63B-4F96-A746-3F014677C6AD}">
-      <dgm:prSet phldrT="04"/>
+      <dgm:prSet phldrT="04" phldr="0"/>
       <dgm:spPr/>
       <dgm:t>
         <a:bodyPr/>
@@ -3562,12 +3562,8 @@
         <a:lstStyle/>
         <a:p>
           <a:r>
-            <a:rPr lang="en-US" b="1"/>
-            <a:t>Has </a:t>
-          </a:r>
-          <a:r>
             <a:rPr lang="en-US" b="1" dirty="0"/>
-            <a:t>a lot to do with the high purchase cost.</a:t>
+            <a:t>Has a lot to do well with the high purchase cost.</a:t>
           </a:r>
           <a:endParaRPr lang="en-US" dirty="0"/>
         </a:p>
@@ -4532,7 +4528,7 @@
           </a:pPr>
           <a:r>
             <a:rPr lang="en-US" sz="2100" b="1" kern="1200" dirty="0"/>
-            <a:t>has a lot to do with the high purchase cost.</a:t>
+            <a:t>has a lot to do WELL with the high purchase cost.</a:t>
           </a:r>
           <a:endParaRPr lang="en-US" sz="2100" b="1" i="0" u="none" strike="noStrike" kern="1200" cap="all" baseline="0" noProof="0" dirty="0">
             <a:latin typeface="Century Gothic"/>
@@ -5225,12 +5221,8 @@
             <a:buNone/>
           </a:pPr>
           <a:r>
-            <a:rPr lang="en-US" sz="1900" b="1" kern="1200"/>
-            <a:t>Has </a:t>
-          </a:r>
-          <a:r>
             <a:rPr lang="en-US" sz="1900" b="1" kern="1200" dirty="0"/>
-            <a:t>a lot to do with the high purchase cost.</a:t>
+            <a:t>Has a lot to do well with the high purchase cost.</a:t>
           </a:r>
           <a:endParaRPr lang="en-US" sz="1900" kern="1200" dirty="0"/>
         </a:p>
@@ -9775,7 +9767,7 @@
             <a:fld id="{B61BEF0D-F0BB-DE4B-95CE-6DB70DBA9567}" type="datetimeFigureOut">
               <a:rPr lang="en-US" smtClean="0"/>
               <a:pPr/>
-              <a:t>5/8/2021</a:t>
+              <a:t>5/9/2021</a:t>
             </a:fld>
             <a:endParaRPr lang="en-US" dirty="0"/>
           </a:p>
@@ -10044,7 +10036,7 @@
             <a:fld id="{B61BEF0D-F0BB-DE4B-95CE-6DB70DBA9567}" type="datetimeFigureOut">
               <a:rPr lang="en-US" smtClean="0"/>
               <a:pPr/>
-              <a:t>5/8/2021</a:t>
+              <a:t>5/9/2021</a:t>
             </a:fld>
             <a:endParaRPr lang="en-US" dirty="0"/>
           </a:p>
@@ -10277,7 +10269,7 @@
             <a:fld id="{B61BEF0D-F0BB-DE4B-95CE-6DB70DBA9567}" type="datetimeFigureOut">
               <a:rPr lang="en-US" smtClean="0"/>
               <a:pPr/>
-              <a:t>5/8/2021</a:t>
+              <a:t>5/9/2021</a:t>
             </a:fld>
             <a:endParaRPr lang="en-US" dirty="0"/>
           </a:p>
@@ -10589,7 +10581,7 @@
             <a:fld id="{B61BEF0D-F0BB-DE4B-95CE-6DB70DBA9567}" type="datetimeFigureOut">
               <a:rPr lang="en-US" smtClean="0"/>
               <a:pPr/>
-              <a:t>5/8/2021</a:t>
+              <a:t>5/9/2021</a:t>
             </a:fld>
             <a:endParaRPr lang="en-US" dirty="0"/>
           </a:p>
@@ -11064,7 +11056,7 @@
             <a:fld id="{B61BEF0D-F0BB-DE4B-95CE-6DB70DBA9567}" type="datetimeFigureOut">
               <a:rPr lang="en-US" smtClean="0"/>
               <a:pPr/>
-              <a:t>5/8/2021</a:t>
+              <a:t>5/9/2021</a:t>
             </a:fld>
             <a:endParaRPr lang="en-US" dirty="0"/>
           </a:p>
@@ -11613,7 +11605,7 @@
             <a:fld id="{B61BEF0D-F0BB-DE4B-95CE-6DB70DBA9567}" type="datetimeFigureOut">
               <a:rPr lang="en-US" smtClean="0"/>
               <a:pPr/>
-              <a:t>5/8/2021</a:t>
+              <a:t>5/9/2021</a:t>
             </a:fld>
             <a:endParaRPr lang="en-US" dirty="0"/>
           </a:p>
@@ -12389,7 +12381,7 @@
             <a:fld id="{B61BEF0D-F0BB-DE4B-95CE-6DB70DBA9567}" type="datetimeFigureOut">
               <a:rPr lang="en-US" smtClean="0"/>
               <a:pPr/>
-              <a:t>5/8/2021</a:t>
+              <a:t>5/9/2021</a:t>
             </a:fld>
             <a:endParaRPr lang="en-US" dirty="0"/>
           </a:p>
@@ -12566,7 +12558,7 @@
             <a:fld id="{B61BEF0D-F0BB-DE4B-95CE-6DB70DBA9567}" type="datetimeFigureOut">
               <a:rPr lang="en-US" smtClean="0"/>
               <a:pPr/>
-              <a:t>5/8/2021</a:t>
+              <a:t>5/9/2021</a:t>
             </a:fld>
             <a:endParaRPr lang="en-US" dirty="0"/>
           </a:p>
@@ -12791,7 +12783,7 @@
             <a:fld id="{B61BEF0D-F0BB-DE4B-95CE-6DB70DBA9567}" type="datetimeFigureOut">
               <a:rPr lang="en-US" smtClean="0"/>
               <a:pPr/>
-              <a:t>5/8/2021</a:t>
+              <a:t>5/9/2021</a:t>
             </a:fld>
             <a:endParaRPr lang="en-US" dirty="0"/>
           </a:p>
@@ -12973,7 +12965,7 @@
             <a:fld id="{B61BEF0D-F0BB-DE4B-95CE-6DB70DBA9567}" type="datetimeFigureOut">
               <a:rPr lang="en-US" smtClean="0"/>
               <a:pPr/>
-              <a:t>5/8/2021</a:t>
+              <a:t>5/9/2021</a:t>
             </a:fld>
             <a:endParaRPr lang="en-US" dirty="0"/>
           </a:p>
@@ -13264,7 +13256,7 @@
             <a:fld id="{B61BEF0D-F0BB-DE4B-95CE-6DB70DBA9567}" type="datetimeFigureOut">
               <a:rPr lang="en-US" smtClean="0"/>
               <a:pPr/>
-              <a:t>5/8/2021</a:t>
+              <a:t>5/9/2021</a:t>
             </a:fld>
             <a:endParaRPr lang="en-US" dirty="0"/>
           </a:p>
@@ -13508,7 +13500,7 @@
             <a:fld id="{B61BEF0D-F0BB-DE4B-95CE-6DB70DBA9567}" type="datetimeFigureOut">
               <a:rPr lang="en-US" smtClean="0"/>
               <a:pPr/>
-              <a:t>5/8/2021</a:t>
+              <a:t>5/9/2021</a:t>
             </a:fld>
             <a:endParaRPr lang="en-US" dirty="0"/>
           </a:p>
@@ -13889,7 +13881,7 @@
             <a:fld id="{B61BEF0D-F0BB-DE4B-95CE-6DB70DBA9567}" type="datetimeFigureOut">
               <a:rPr lang="en-US" smtClean="0"/>
               <a:pPr/>
-              <a:t>5/8/2021</a:t>
+              <a:t>5/9/2021</a:t>
             </a:fld>
             <a:endParaRPr lang="en-US" dirty="0"/>
           </a:p>
@@ -14009,7 +14001,7 @@
             <a:fld id="{B61BEF0D-F0BB-DE4B-95CE-6DB70DBA9567}" type="datetimeFigureOut">
               <a:rPr lang="en-US" smtClean="0"/>
               <a:pPr/>
-              <a:t>5/8/2021</a:t>
+              <a:t>5/9/2021</a:t>
             </a:fld>
             <a:endParaRPr lang="en-US" dirty="0"/>
           </a:p>
@@ -14106,7 +14098,7 @@
             <a:fld id="{B61BEF0D-F0BB-DE4B-95CE-6DB70DBA9567}" type="datetimeFigureOut">
               <a:rPr lang="en-US" smtClean="0"/>
               <a:pPr/>
-              <a:t>5/8/2021</a:t>
+              <a:t>5/9/2021</a:t>
             </a:fld>
             <a:endParaRPr lang="en-US" dirty="0"/>
           </a:p>
@@ -14357,7 +14349,7 @@
             <a:fld id="{B61BEF0D-F0BB-DE4B-95CE-6DB70DBA9567}" type="datetimeFigureOut">
               <a:rPr lang="en-US" smtClean="0"/>
               <a:pPr/>
-              <a:t>5/8/2021</a:t>
+              <a:t>5/9/2021</a:t>
             </a:fld>
             <a:endParaRPr lang="en-US" dirty="0"/>
           </a:p>
@@ -14616,7 +14608,7 @@
             <a:fld id="{B61BEF0D-F0BB-DE4B-95CE-6DB70DBA9567}" type="datetimeFigureOut">
               <a:rPr lang="en-US" smtClean="0"/>
               <a:pPr/>
-              <a:t>5/8/2021</a:t>
+              <a:t>5/9/2021</a:t>
             </a:fld>
             <a:endParaRPr lang="en-US" dirty="0"/>
           </a:p>
@@ -14861,7 +14853,7 @@
             <a:fld id="{B61BEF0D-F0BB-DE4B-95CE-6DB70DBA9567}" type="datetimeFigureOut">
               <a:rPr lang="en-US" smtClean="0"/>
               <a:pPr/>
-              <a:t>5/8/2021</a:t>
+              <a:t>5/9/2021</a:t>
             </a:fld>
             <a:endParaRPr lang="en-US" dirty="0"/>
           </a:p>
@@ -15571,7 +15563,7 @@
             </a:pPr>
             <a:r>
               <a:rPr lang="en-US" dirty="0"/>
-              <a:t>Which of the customers must be given the mail promos such that the customer would be loyal and generate more revenue.</a:t>
+              <a:t>Which of the customers must be given promos such that the customer would be loyal and will help to generate more revenue.</a:t>
             </a:r>
           </a:p>
         </p:txBody>
@@ -15624,10 +15616,9 @@
           </a:lstStyle>
           <a:p>
             <a:r>
-              <a:rPr lang="en-US" b="1"/>
-              <a:t>BUSINESS PREPOSITION</a:t>
+              <a:rPr lang="en-US" b="1" dirty="0"/>
+              <a:t>BUSINESS Proposition</a:t>
             </a:r>
-            <a:endParaRPr lang="en-US" b="1" dirty="0"/>
           </a:p>
         </p:txBody>
       </p:sp>
@@ -15715,7 +15706,7 @@
             <p:ph idx="1"/>
             <p:extLst>
               <p:ext uri="{D42A27DB-BD31-4B8C-83A1-F6EECF244321}">
-                <p14:modId xmlns:p14="http://schemas.microsoft.com/office/powerpoint/2010/main" val="691684150"/>
+                <p14:modId xmlns:p14="http://schemas.microsoft.com/office/powerpoint/2010/main" val="3703795065"/>
               </p:ext>
             </p:extLst>
           </p:nvPr>
@@ -15819,7 +15810,7 @@
             <p:ph idx="1"/>
             <p:extLst>
               <p:ext uri="{D42A27DB-BD31-4B8C-83A1-F6EECF244321}">
-                <p14:modId xmlns:p14="http://schemas.microsoft.com/office/powerpoint/2010/main" val="720970934"/>
+                <p14:modId xmlns:p14="http://schemas.microsoft.com/office/powerpoint/2010/main" val="4013791724"/>
               </p:ext>
             </p:extLst>
           </p:nvPr>
